--- a/Network-Security/Module_3_Network_Defense/Lesson_2_Firewalls.pptx
+++ b/Network-Security/Module_3_Network_Defense/Lesson_2_Firewalls.pptx
@@ -292,7 +292,7 @@
               <a:pPr>
                 <a:defRPr/>
               </a:pPr>
-              <a:t>4/13/2018</a:t>
+              <a:t>4/21/18</a:t>
             </a:fld>
             <a:endParaRPr lang="en-US"/>
           </a:p>
@@ -4335,7 +4335,7 @@
           <p:cNvPr id="2" name="Title 1">
             <a:extLst>
               <a:ext uri="{FF2B5EF4-FFF2-40B4-BE49-F238E27FC236}">
-                <a16:creationId xmlns:a16="http://schemas.microsoft.com/office/drawing/2014/main" id="{5C287DE2-E1A2-4F41-96FE-94AF4425CB03}"/>
+                <a16:creationId xmlns="" xmlns:a16="http://schemas.microsoft.com/office/drawing/2014/main" id="{5C287DE2-E1A2-4F41-96FE-94AF4425CB03}"/>
               </a:ext>
             </a:extLst>
           </p:cNvPr>
@@ -4360,6 +4360,10 @@
             </a:lvl1pPr>
           </a:lstStyle>
           <a:p>
+            <a:r>
+              <a:rPr lang="en-US" dirty="0"/>
+              <a:t/>
+            </a:r>
             <a:br>
               <a:rPr lang="en-US" dirty="0"/>
             </a:br>
@@ -4377,27 +4381,59 @@
             <a:br>
               <a:rPr lang="en-US" dirty="0"/>
             </a:br>
+            <a:r>
+              <a:rPr lang="en-US" dirty="0"/>
+              <a:t/>
+            </a:r>
             <a:br>
               <a:rPr lang="en-US" dirty="0"/>
             </a:br>
+            <a:r>
+              <a:rPr lang="en-US" dirty="0"/>
+              <a:t/>
+            </a:r>
             <a:br>
               <a:rPr lang="en-US" dirty="0"/>
             </a:br>
+            <a:r>
+              <a:rPr lang="en-US" dirty="0"/>
+              <a:t/>
+            </a:r>
             <a:br>
               <a:rPr lang="en-US" dirty="0"/>
             </a:br>
+            <a:r>
+              <a:rPr lang="en-US" dirty="0"/>
+              <a:t/>
+            </a:r>
             <a:br>
               <a:rPr lang="en-US" dirty="0"/>
             </a:br>
+            <a:r>
+              <a:rPr lang="en-US" dirty="0"/>
+              <a:t/>
+            </a:r>
             <a:br>
               <a:rPr lang="en-US" dirty="0"/>
             </a:br>
+            <a:r>
+              <a:rPr lang="en-US" dirty="0"/>
+              <a:t/>
+            </a:r>
             <a:br>
               <a:rPr lang="en-US" dirty="0"/>
             </a:br>
+            <a:r>
+              <a:rPr lang="en-US" dirty="0"/>
+              <a:t/>
+            </a:r>
             <a:br>
               <a:rPr lang="en-US" dirty="0"/>
             </a:br>
+            <a:r>
+              <a:rPr lang="en-US" dirty="0"/>
+              <a:t/>
+            </a:r>
             <a:br>
               <a:rPr lang="en-US" dirty="0"/>
             </a:br>
@@ -4408,6 +4444,10 @@
             <a:br>
               <a:rPr lang="en-US" dirty="0"/>
             </a:br>
+            <a:r>
+              <a:rPr lang="en-US" dirty="0"/>
+              <a:t/>
+            </a:r>
             <a:br>
               <a:rPr lang="en-US" dirty="0"/>
             </a:br>
@@ -4418,6 +4458,10 @@
             <a:br>
               <a:rPr lang="en-US" dirty="0"/>
             </a:br>
+            <a:r>
+              <a:rPr lang="en-US" dirty="0"/>
+              <a:t/>
+            </a:r>
             <a:br>
               <a:rPr lang="en-US" dirty="0"/>
             </a:br>
@@ -4437,7 +4481,7 @@
           <p:cNvPr id="3" name="Slide Number Placeholder 2">
             <a:extLst>
               <a:ext uri="{FF2B5EF4-FFF2-40B4-BE49-F238E27FC236}">
-                <a16:creationId xmlns:a16="http://schemas.microsoft.com/office/drawing/2014/main" id="{7D2FFADE-E1BC-48C1-83AA-6DDDD39A33C4}"/>
+                <a16:creationId xmlns="" xmlns:a16="http://schemas.microsoft.com/office/drawing/2014/main" id="{7D2FFADE-E1BC-48C1-83AA-6DDDD39A33C4}"/>
               </a:ext>
             </a:extLst>
           </p:cNvPr>
@@ -4472,7 +4516,7 @@
           <p:cNvPr id="9" name="Picture 8">
             <a:extLst>
               <a:ext uri="{FF2B5EF4-FFF2-40B4-BE49-F238E27FC236}">
-                <a16:creationId xmlns:a16="http://schemas.microsoft.com/office/drawing/2014/main" id="{9CBFC76A-A606-42CF-BCDF-C73975C150B9}"/>
+                <a16:creationId xmlns="" xmlns:a16="http://schemas.microsoft.com/office/drawing/2014/main" id="{9CBFC76A-A606-42CF-BCDF-C73975C150B9}"/>
               </a:ext>
             </a:extLst>
           </p:cNvPr>
@@ -5450,9 +5494,17 @@
           <a:bodyPr/>
           <a:lstStyle/>
           <a:p>
+            <a:r>
+              <a:rPr lang="en-US"/>
+              <a:t/>
+            </a:r>
             <a:br>
               <a:rPr lang="en-US"/>
             </a:br>
+            <a:r>
+              <a:rPr lang="en-US"/>
+              <a:t/>
+            </a:r>
             <a:br>
               <a:rPr lang="en-US"/>
             </a:br>
@@ -5529,7 +5581,7 @@
           <p:cNvPr id="2" name="Title 1">
             <a:extLst>
               <a:ext uri="{FF2B5EF4-FFF2-40B4-BE49-F238E27FC236}">
-                <a16:creationId xmlns:a16="http://schemas.microsoft.com/office/drawing/2014/main" id="{0620A542-2B2C-44E9-B6C8-5610E6400091}"/>
+                <a16:creationId xmlns="" xmlns:a16="http://schemas.microsoft.com/office/drawing/2014/main" id="{0620A542-2B2C-44E9-B6C8-5610E6400091}"/>
               </a:ext>
             </a:extLst>
           </p:cNvPr>
@@ -5557,7 +5609,7 @@
           <p:cNvPr id="3" name="Content Placeholder 2">
             <a:extLst>
               <a:ext uri="{FF2B5EF4-FFF2-40B4-BE49-F238E27FC236}">
-                <a16:creationId xmlns:a16="http://schemas.microsoft.com/office/drawing/2014/main" id="{F1B47A83-F9E6-4890-A96F-9070E76FF69C}"/>
+                <a16:creationId xmlns="" xmlns:a16="http://schemas.microsoft.com/office/drawing/2014/main" id="{F1B47A83-F9E6-4890-A96F-9070E76FF69C}"/>
               </a:ext>
             </a:extLst>
           </p:cNvPr>
@@ -5615,7 +5667,7 @@
           <p:cNvPr id="4" name="Slide Number Placeholder 3">
             <a:extLst>
               <a:ext uri="{FF2B5EF4-FFF2-40B4-BE49-F238E27FC236}">
-                <a16:creationId xmlns:a16="http://schemas.microsoft.com/office/drawing/2014/main" id="{27ADB6A3-062E-4E60-9751-F9588C466B37}"/>
+                <a16:creationId xmlns="" xmlns:a16="http://schemas.microsoft.com/office/drawing/2014/main" id="{27ADB6A3-062E-4E60-9751-F9588C466B37}"/>
               </a:ext>
             </a:extLst>
           </p:cNvPr>
@@ -5686,24 +5738,12 @@
           </p:cNvPicPr>
           <p:nvPr/>
         </p:nvPicPr>
-        <mc:AlternateContent xmlns:mc="http://schemas.openxmlformats.org/markup-compatibility/2006">
-          <mc:Choice xmlns="" xmlns:mv="urn:schemas-microsoft-com:mac:vml" xmlns:ma="http://schemas.microsoft.com/office/mac/drawingml/2008/main" Requires="ma">
-            <p:blipFill>
-              <a:blip r:embed="rId4"/>
-              <a:stretch>
-                <a:fillRect/>
-              </a:stretch>
-            </p:blipFill>
-          </mc:Choice>
-          <mc:Fallback>
-            <p:blipFill>
-              <a:blip r:embed="rId5"/>
-              <a:stretch>
-                <a:fillRect/>
-              </a:stretch>
-            </p:blipFill>
-          </mc:Fallback>
-        </mc:AlternateContent>
+        <p:blipFill>
+          <a:blip r:embed="rId4"/>
+          <a:stretch>
+            <a:fillRect/>
+          </a:stretch>
+        </p:blipFill>
         <p:spPr>
           <a:xfrm>
             <a:off x="381000" y="838200"/>
@@ -5816,7 +5856,7 @@
           <p:cNvPr id="10" name="Content Placeholder 9">
             <a:extLst>
               <a:ext uri="{FF2B5EF4-FFF2-40B4-BE49-F238E27FC236}">
-                <a16:creationId xmlns:a16="http://schemas.microsoft.com/office/drawing/2014/main" id="{A8C278A6-30AB-4E0F-8D56-8D33715CF285}"/>
+                <a16:creationId xmlns="" xmlns:a16="http://schemas.microsoft.com/office/drawing/2014/main" id="{A8C278A6-30AB-4E0F-8D56-8D33715CF285}"/>
               </a:ext>
             </a:extLst>
           </p:cNvPr>
@@ -5941,7 +5981,7 @@
           <p:cNvPr id="2" name="Title 1">
             <a:extLst>
               <a:ext uri="{FF2B5EF4-FFF2-40B4-BE49-F238E27FC236}">
-                <a16:creationId xmlns:a16="http://schemas.microsoft.com/office/drawing/2014/main" id="{0DCE9FA4-9651-4591-BC6B-703FD96ED81D}"/>
+                <a16:creationId xmlns="" xmlns:a16="http://schemas.microsoft.com/office/drawing/2014/main" id="{0DCE9FA4-9651-4591-BC6B-703FD96ED81D}"/>
               </a:ext>
             </a:extLst>
           </p:cNvPr>
@@ -5969,7 +6009,7 @@
           <p:cNvPr id="3" name="Content Placeholder 2">
             <a:extLst>
               <a:ext uri="{FF2B5EF4-FFF2-40B4-BE49-F238E27FC236}">
-                <a16:creationId xmlns:a16="http://schemas.microsoft.com/office/drawing/2014/main" id="{486A2601-D490-4FDD-90B2-36B0AC06C6E9}"/>
+                <a16:creationId xmlns="" xmlns:a16="http://schemas.microsoft.com/office/drawing/2014/main" id="{486A2601-D490-4FDD-90B2-36B0AC06C6E9}"/>
               </a:ext>
             </a:extLst>
           </p:cNvPr>
@@ -6054,7 +6094,7 @@
           <p:cNvPr id="4" name="Slide Number Placeholder 3">
             <a:extLst>
               <a:ext uri="{FF2B5EF4-FFF2-40B4-BE49-F238E27FC236}">
-                <a16:creationId xmlns:a16="http://schemas.microsoft.com/office/drawing/2014/main" id="{084FEBDA-5872-479D-B1C6-FA1F625CFC09}"/>
+                <a16:creationId xmlns="" xmlns:a16="http://schemas.microsoft.com/office/drawing/2014/main" id="{084FEBDA-5872-479D-B1C6-FA1F625CFC09}"/>
               </a:ext>
             </a:extLst>
           </p:cNvPr>
@@ -6122,7 +6162,7 @@
           <p:cNvPr id="2" name="Title 1">
             <a:extLst>
               <a:ext uri="{FF2B5EF4-FFF2-40B4-BE49-F238E27FC236}">
-                <a16:creationId xmlns:a16="http://schemas.microsoft.com/office/drawing/2014/main" id="{54FF3B2C-44D8-4CBB-8D7D-0C3351D3C2D5}"/>
+                <a16:creationId xmlns="" xmlns:a16="http://schemas.microsoft.com/office/drawing/2014/main" id="{54FF3B2C-44D8-4CBB-8D7D-0C3351D3C2D5}"/>
               </a:ext>
             </a:extLst>
           </p:cNvPr>
@@ -6150,7 +6190,7 @@
           <p:cNvPr id="3" name="Content Placeholder 2">
             <a:extLst>
               <a:ext uri="{FF2B5EF4-FFF2-40B4-BE49-F238E27FC236}">
-                <a16:creationId xmlns:a16="http://schemas.microsoft.com/office/drawing/2014/main" id="{EFD72E7B-0316-49F5-84FB-29DC73B7FE26}"/>
+                <a16:creationId xmlns="" xmlns:a16="http://schemas.microsoft.com/office/drawing/2014/main" id="{EFD72E7B-0316-49F5-84FB-29DC73B7FE26}"/>
               </a:ext>
             </a:extLst>
           </p:cNvPr>
@@ -6208,7 +6248,7 @@
           <p:cNvPr id="4" name="Slide Number Placeholder 3">
             <a:extLst>
               <a:ext uri="{FF2B5EF4-FFF2-40B4-BE49-F238E27FC236}">
-                <a16:creationId xmlns:a16="http://schemas.microsoft.com/office/drawing/2014/main" id="{07906505-16F6-4BA9-B855-9C02DF38D55F}"/>
+                <a16:creationId xmlns="" xmlns:a16="http://schemas.microsoft.com/office/drawing/2014/main" id="{07906505-16F6-4BA9-B855-9C02DF38D55F}"/>
               </a:ext>
             </a:extLst>
           </p:cNvPr>
@@ -6276,7 +6316,7 @@
           <p:cNvPr id="5" name="Title 4">
             <a:extLst>
               <a:ext uri="{FF2B5EF4-FFF2-40B4-BE49-F238E27FC236}">
-                <a16:creationId xmlns:a16="http://schemas.microsoft.com/office/drawing/2014/main" id="{03751C86-F430-47E6-8952-ED40972261BB}"/>
+                <a16:creationId xmlns="" xmlns:a16="http://schemas.microsoft.com/office/drawing/2014/main" id="{03751C86-F430-47E6-8952-ED40972261BB}"/>
               </a:ext>
             </a:extLst>
           </p:cNvPr>
@@ -6301,7 +6341,7 @@
           <p:cNvPr id="3" name="Text Placeholder 2">
             <a:extLst>
               <a:ext uri="{FF2B5EF4-FFF2-40B4-BE49-F238E27FC236}">
-                <a16:creationId xmlns:a16="http://schemas.microsoft.com/office/drawing/2014/main" id="{B5CE434F-09A6-40C4-AAE4-91EB8DA437D0}"/>
+                <a16:creationId xmlns="" xmlns:a16="http://schemas.microsoft.com/office/drawing/2014/main" id="{B5CE434F-09A6-40C4-AAE4-91EB8DA437D0}"/>
               </a:ext>
             </a:extLst>
           </p:cNvPr>
@@ -6429,7 +6469,7 @@
           <p:cNvPr id="4" name="Slide Number Placeholder 3">
             <a:extLst>
               <a:ext uri="{FF2B5EF4-FFF2-40B4-BE49-F238E27FC236}">
-                <a16:creationId xmlns:a16="http://schemas.microsoft.com/office/drawing/2014/main" id="{98F3E5CB-C8BE-4316-B67A-E678496BD0C5}"/>
+                <a16:creationId xmlns="" xmlns:a16="http://schemas.microsoft.com/office/drawing/2014/main" id="{98F3E5CB-C8BE-4316-B67A-E678496BD0C5}"/>
               </a:ext>
             </a:extLst>
           </p:cNvPr>
@@ -6464,7 +6504,7 @@
           <p:cNvPr id="6" name="Table 5">
             <a:extLst>
               <a:ext uri="{FF2B5EF4-FFF2-40B4-BE49-F238E27FC236}">
-                <a16:creationId xmlns:a16="http://schemas.microsoft.com/office/drawing/2014/main" id="{B2AD9453-16E9-48CC-B7E3-8A0F85D862FF}"/>
+                <a16:creationId xmlns="" xmlns:a16="http://schemas.microsoft.com/office/drawing/2014/main" id="{B2AD9453-16E9-48CC-B7E3-8A0F85D862FF}"/>
               </a:ext>
             </a:extLst>
           </p:cNvPr>
@@ -6493,21 +6533,21 @@
                 <a:gridCol w="2651760">
                   <a:extLst>
                     <a:ext uri="{9D8B030D-6E8A-4147-A177-3AD203B41FA5}">
-                      <a16:colId xmlns:a16="http://schemas.microsoft.com/office/drawing/2014/main" val="2290343169"/>
+                      <a16:colId xmlns="" xmlns:a16="http://schemas.microsoft.com/office/drawing/2014/main" val="2290343169"/>
                     </a:ext>
                   </a:extLst>
                 </a:gridCol>
                 <a:gridCol w="2651760">
                   <a:extLst>
                     <a:ext uri="{9D8B030D-6E8A-4147-A177-3AD203B41FA5}">
-                      <a16:colId xmlns:a16="http://schemas.microsoft.com/office/drawing/2014/main" val="3401085425"/>
+                      <a16:colId xmlns="" xmlns:a16="http://schemas.microsoft.com/office/drawing/2014/main" val="3401085425"/>
                     </a:ext>
                   </a:extLst>
                 </a:gridCol>
                 <a:gridCol w="2651760">
                   <a:extLst>
                     <a:ext uri="{9D8B030D-6E8A-4147-A177-3AD203B41FA5}">
-                      <a16:colId xmlns:a16="http://schemas.microsoft.com/office/drawing/2014/main" val="72700769"/>
+                      <a16:colId xmlns="" xmlns:a16="http://schemas.microsoft.com/office/drawing/2014/main" val="72700769"/>
                     </a:ext>
                   </a:extLst>
                 </a:gridCol>
@@ -6569,7 +6609,7 @@
                 </a:tc>
                 <a:extLst>
                   <a:ext uri="{0D108BD9-81ED-4DB2-BD59-A6C34878D82A}">
-                    <a16:rowId xmlns:a16="http://schemas.microsoft.com/office/drawing/2014/main" val="234682701"/>
+                    <a16:rowId xmlns="" xmlns:a16="http://schemas.microsoft.com/office/drawing/2014/main" val="234682701"/>
                   </a:ext>
                 </a:extLst>
               </a:tr>
@@ -6669,7 +6709,7 @@
                 </a:tc>
                 <a:extLst>
                   <a:ext uri="{0D108BD9-81ED-4DB2-BD59-A6C34878D82A}">
-                    <a16:rowId xmlns:a16="http://schemas.microsoft.com/office/drawing/2014/main" val="4045908483"/>
+                    <a16:rowId xmlns="" xmlns:a16="http://schemas.microsoft.com/office/drawing/2014/main" val="4045908483"/>
                   </a:ext>
                 </a:extLst>
               </a:tr>
@@ -6769,7 +6809,7 @@
                 </a:tc>
                 <a:extLst>
                   <a:ext uri="{0D108BD9-81ED-4DB2-BD59-A6C34878D82A}">
-                    <a16:rowId xmlns:a16="http://schemas.microsoft.com/office/drawing/2014/main" val="773675788"/>
+                    <a16:rowId xmlns="" xmlns:a16="http://schemas.microsoft.com/office/drawing/2014/main" val="773675788"/>
                   </a:ext>
                 </a:extLst>
               </a:tr>
@@ -6869,7 +6909,7 @@
                 </a:tc>
                 <a:extLst>
                   <a:ext uri="{0D108BD9-81ED-4DB2-BD59-A6C34878D82A}">
-                    <a16:rowId xmlns:a16="http://schemas.microsoft.com/office/drawing/2014/main" val="3059151395"/>
+                    <a16:rowId xmlns="" xmlns:a16="http://schemas.microsoft.com/office/drawing/2014/main" val="3059151395"/>
                   </a:ext>
                 </a:extLst>
               </a:tr>
@@ -6969,7 +7009,7 @@
                 </a:tc>
                 <a:extLst>
                   <a:ext uri="{0D108BD9-81ED-4DB2-BD59-A6C34878D82A}">
-                    <a16:rowId xmlns:a16="http://schemas.microsoft.com/office/drawing/2014/main" val="684706862"/>
+                    <a16:rowId xmlns="" xmlns:a16="http://schemas.microsoft.com/office/drawing/2014/main" val="684706862"/>
                   </a:ext>
                 </a:extLst>
               </a:tr>
@@ -7069,7 +7109,7 @@
                 </a:tc>
                 <a:extLst>
                   <a:ext uri="{0D108BD9-81ED-4DB2-BD59-A6C34878D82A}">
-                    <a16:rowId xmlns:a16="http://schemas.microsoft.com/office/drawing/2014/main" val="1191777844"/>
+                    <a16:rowId xmlns="" xmlns:a16="http://schemas.microsoft.com/office/drawing/2014/main" val="1191777844"/>
                   </a:ext>
                 </a:extLst>
               </a:tr>
@@ -7169,7 +7209,7 @@
                 </a:tc>
                 <a:extLst>
                   <a:ext uri="{0D108BD9-81ED-4DB2-BD59-A6C34878D82A}">
-                    <a16:rowId xmlns:a16="http://schemas.microsoft.com/office/drawing/2014/main" val="4085408620"/>
+                    <a16:rowId xmlns="" xmlns:a16="http://schemas.microsoft.com/office/drawing/2014/main" val="4085408620"/>
                   </a:ext>
                 </a:extLst>
               </a:tr>
@@ -7255,7 +7295,7 @@
                 </a:tc>
                 <a:extLst>
                   <a:ext uri="{0D108BD9-81ED-4DB2-BD59-A6C34878D82A}">
-                    <a16:rowId xmlns:a16="http://schemas.microsoft.com/office/drawing/2014/main" val="425127217"/>
+                    <a16:rowId xmlns="" xmlns:a16="http://schemas.microsoft.com/office/drawing/2014/main" val="425127217"/>
                   </a:ext>
                 </a:extLst>
               </a:tr>
@@ -7355,7 +7395,7 @@
                 </a:tc>
                 <a:extLst>
                   <a:ext uri="{0D108BD9-81ED-4DB2-BD59-A6C34878D82A}">
-                    <a16:rowId xmlns:a16="http://schemas.microsoft.com/office/drawing/2014/main" val="2461734667"/>
+                    <a16:rowId xmlns="" xmlns:a16="http://schemas.microsoft.com/office/drawing/2014/main" val="2461734667"/>
                   </a:ext>
                 </a:extLst>
               </a:tr>
@@ -7455,7 +7495,7 @@
                 </a:tc>
                 <a:extLst>
                   <a:ext uri="{0D108BD9-81ED-4DB2-BD59-A6C34878D82A}">
-                    <a16:rowId xmlns:a16="http://schemas.microsoft.com/office/drawing/2014/main" val="2583123379"/>
+                    <a16:rowId xmlns="" xmlns:a16="http://schemas.microsoft.com/office/drawing/2014/main" val="2583123379"/>
                   </a:ext>
                 </a:extLst>
               </a:tr>
@@ -7557,7 +7597,7 @@
                 </a:tc>
                 <a:extLst>
                   <a:ext uri="{0D108BD9-81ED-4DB2-BD59-A6C34878D82A}">
-                    <a16:rowId xmlns:a16="http://schemas.microsoft.com/office/drawing/2014/main" val="389609176"/>
+                    <a16:rowId xmlns="" xmlns:a16="http://schemas.microsoft.com/office/drawing/2014/main" val="389609176"/>
                   </a:ext>
                 </a:extLst>
               </a:tr>
@@ -8128,7 +8168,7 @@
           <p:cNvPr id="2" name="Title 1">
             <a:extLst>
               <a:ext uri="{FF2B5EF4-FFF2-40B4-BE49-F238E27FC236}">
-                <a16:creationId xmlns:a16="http://schemas.microsoft.com/office/drawing/2014/main" id="{4FDDDE79-84CD-4BD4-8191-64CD17F70EB2}"/>
+                <a16:creationId xmlns="" xmlns:a16="http://schemas.microsoft.com/office/drawing/2014/main" id="{4FDDDE79-84CD-4BD4-8191-64CD17F70EB2}"/>
               </a:ext>
             </a:extLst>
           </p:cNvPr>
@@ -8145,9 +8185,10 @@
           <a:lstStyle/>
           <a:p>
             <a:r>
-              <a:rPr lang="en-US" dirty="0"/>
-              <a:t>Internetworking Module</a:t>
-            </a:r>
+              <a:rPr lang="en-US"/>
+              <a:t>Network Defense Module</a:t>
+            </a:r>
+            <a:endParaRPr lang="en-US" dirty="0"/>
           </a:p>
         </p:txBody>
       </p:sp>
@@ -8156,7 +8197,7 @@
           <p:cNvPr id="3" name="Content Placeholder 2">
             <a:extLst>
               <a:ext uri="{FF2B5EF4-FFF2-40B4-BE49-F238E27FC236}">
-                <a16:creationId xmlns:a16="http://schemas.microsoft.com/office/drawing/2014/main" id="{1E11D7D9-AFF5-4F1C-A116-5D460DCCEF0D}"/>
+                <a16:creationId xmlns="" xmlns:a16="http://schemas.microsoft.com/office/drawing/2014/main" id="{1E11D7D9-AFF5-4F1C-A116-5D460DCCEF0D}"/>
               </a:ext>
             </a:extLst>
           </p:cNvPr>
@@ -8246,7 +8287,7 @@
           <p:cNvPr id="4" name="Slide Number Placeholder 3">
             <a:extLst>
               <a:ext uri="{FF2B5EF4-FFF2-40B4-BE49-F238E27FC236}">
-                <a16:creationId xmlns:a16="http://schemas.microsoft.com/office/drawing/2014/main" id="{95BCECBD-F96D-47DA-9A6D-248B240ABC8D}"/>
+                <a16:creationId xmlns="" xmlns:a16="http://schemas.microsoft.com/office/drawing/2014/main" id="{95BCECBD-F96D-47DA-9A6D-248B240ABC8D}"/>
               </a:ext>
             </a:extLst>
           </p:cNvPr>
@@ -8462,7 +8503,7 @@
           <p:cNvPr id="6" name="Picture 5">
             <a:extLst>
               <a:ext uri="{FF2B5EF4-FFF2-40B4-BE49-F238E27FC236}">
-                <a16:creationId xmlns:a16="http://schemas.microsoft.com/office/drawing/2014/main" id="{EFB265BC-A46E-4D9E-865F-05E71C673343}"/>
+                <a16:creationId xmlns="" xmlns:a16="http://schemas.microsoft.com/office/drawing/2014/main" id="{EFB265BC-A46E-4D9E-865F-05E71C673343}"/>
               </a:ext>
             </a:extLst>
           </p:cNvPr>
@@ -9026,7 +9067,7 @@
           <p:cNvPr id="2" name="Title 1">
             <a:extLst>
               <a:ext uri="{FF2B5EF4-FFF2-40B4-BE49-F238E27FC236}">
-                <a16:creationId xmlns:a16="http://schemas.microsoft.com/office/drawing/2014/main" id="{F0002A01-6AAD-4B52-9D1D-9F4DDAF6964D}"/>
+                <a16:creationId xmlns="" xmlns:a16="http://schemas.microsoft.com/office/drawing/2014/main" id="{F0002A01-6AAD-4B52-9D1D-9F4DDAF6964D}"/>
               </a:ext>
             </a:extLst>
           </p:cNvPr>
@@ -9054,7 +9095,7 @@
           <p:cNvPr id="3" name="Content Placeholder 2">
             <a:extLst>
               <a:ext uri="{FF2B5EF4-FFF2-40B4-BE49-F238E27FC236}">
-                <a16:creationId xmlns:a16="http://schemas.microsoft.com/office/drawing/2014/main" id="{A678A1B3-A563-465D-9514-03C60527373A}"/>
+                <a16:creationId xmlns="" xmlns:a16="http://schemas.microsoft.com/office/drawing/2014/main" id="{A678A1B3-A563-465D-9514-03C60527373A}"/>
               </a:ext>
             </a:extLst>
           </p:cNvPr>
@@ -9133,7 +9174,7 @@
           <p:cNvPr id="4" name="Slide Number Placeholder 3">
             <a:extLst>
               <a:ext uri="{FF2B5EF4-FFF2-40B4-BE49-F238E27FC236}">
-                <a16:creationId xmlns:a16="http://schemas.microsoft.com/office/drawing/2014/main" id="{44890AD5-77F0-402D-9694-26D475E2035D}"/>
+                <a16:creationId xmlns="" xmlns:a16="http://schemas.microsoft.com/office/drawing/2014/main" id="{44890AD5-77F0-402D-9694-26D475E2035D}"/>
               </a:ext>
             </a:extLst>
           </p:cNvPr>
@@ -9196,7 +9237,7 @@
           <p:cNvPr id="11" name="Title 10">
             <a:extLst>
               <a:ext uri="{FF2B5EF4-FFF2-40B4-BE49-F238E27FC236}">
-                <a16:creationId xmlns:a16="http://schemas.microsoft.com/office/drawing/2014/main" id="{1F52A716-5142-4987-84C0-078D1007C406}"/>
+                <a16:creationId xmlns="" xmlns:a16="http://schemas.microsoft.com/office/drawing/2014/main" id="{1F52A716-5142-4987-84C0-078D1007C406}"/>
               </a:ext>
             </a:extLst>
           </p:cNvPr>
@@ -9221,7 +9262,7 @@
           <p:cNvPr id="2" name="Slide Number Placeholder 1">
             <a:extLst>
               <a:ext uri="{FF2B5EF4-FFF2-40B4-BE49-F238E27FC236}">
-                <a16:creationId xmlns:a16="http://schemas.microsoft.com/office/drawing/2014/main" id="{68E7E42E-59F7-4E59-B615-38E41297994C}"/>
+                <a16:creationId xmlns="" xmlns:a16="http://schemas.microsoft.com/office/drawing/2014/main" id="{68E7E42E-59F7-4E59-B615-38E41297994C}"/>
               </a:ext>
             </a:extLst>
           </p:cNvPr>
@@ -9359,7 +9400,7 @@
           <p:cNvPr id="3" name="Slide Number Placeholder 2">
             <a:extLst>
               <a:ext uri="{FF2B5EF4-FFF2-40B4-BE49-F238E27FC236}">
-                <a16:creationId xmlns:a16="http://schemas.microsoft.com/office/drawing/2014/main" id="{0B1163B0-19D9-4859-8B88-CD4B646011C3}"/>
+                <a16:creationId xmlns="" xmlns:a16="http://schemas.microsoft.com/office/drawing/2014/main" id="{0B1163B0-19D9-4859-8B88-CD4B646011C3}"/>
               </a:ext>
             </a:extLst>
           </p:cNvPr>
@@ -9422,7 +9463,7 @@
           <p:cNvPr id="2" name="Title 1">
             <a:extLst>
               <a:ext uri="{FF2B5EF4-FFF2-40B4-BE49-F238E27FC236}">
-                <a16:creationId xmlns:a16="http://schemas.microsoft.com/office/drawing/2014/main" id="{F8FC9E53-B5F3-4E67-B46E-607C9DB1789E}"/>
+                <a16:creationId xmlns="" xmlns:a16="http://schemas.microsoft.com/office/drawing/2014/main" id="{F8FC9E53-B5F3-4E67-B46E-607C9DB1789E}"/>
               </a:ext>
             </a:extLst>
           </p:cNvPr>
@@ -9450,7 +9491,7 @@
           <p:cNvPr id="3" name="Content Placeholder 2">
             <a:extLst>
               <a:ext uri="{FF2B5EF4-FFF2-40B4-BE49-F238E27FC236}">
-                <a16:creationId xmlns:a16="http://schemas.microsoft.com/office/drawing/2014/main" id="{FC771303-6180-4C8D-AD58-12CBC42F369F}"/>
+                <a16:creationId xmlns="" xmlns:a16="http://schemas.microsoft.com/office/drawing/2014/main" id="{FC771303-6180-4C8D-AD58-12CBC42F369F}"/>
               </a:ext>
             </a:extLst>
           </p:cNvPr>
@@ -9493,7 +9534,7 @@
           <p:cNvPr id="4" name="Slide Number Placeholder 3">
             <a:extLst>
               <a:ext uri="{FF2B5EF4-FFF2-40B4-BE49-F238E27FC236}">
-                <a16:creationId xmlns:a16="http://schemas.microsoft.com/office/drawing/2014/main" id="{842BA6A4-510A-435E-8F7F-5D5C34AD4A3E}"/>
+                <a16:creationId xmlns="" xmlns:a16="http://schemas.microsoft.com/office/drawing/2014/main" id="{842BA6A4-510A-435E-8F7F-5D5C34AD4A3E}"/>
               </a:ext>
             </a:extLst>
           </p:cNvPr>
@@ -9672,7 +9713,7 @@
           <p:cNvPr id="2" name="Title 1">
             <a:extLst>
               <a:ext uri="{FF2B5EF4-FFF2-40B4-BE49-F238E27FC236}">
-                <a16:creationId xmlns:a16="http://schemas.microsoft.com/office/drawing/2014/main" id="{8AB81952-EF78-47C1-80C4-3037036D71FE}"/>
+                <a16:creationId xmlns="" xmlns:a16="http://schemas.microsoft.com/office/drawing/2014/main" id="{8AB81952-EF78-47C1-80C4-3037036D71FE}"/>
               </a:ext>
             </a:extLst>
           </p:cNvPr>
@@ -9700,7 +9741,7 @@
           <p:cNvPr id="3" name="Content Placeholder 2">
             <a:extLst>
               <a:ext uri="{FF2B5EF4-FFF2-40B4-BE49-F238E27FC236}">
-                <a16:creationId xmlns:a16="http://schemas.microsoft.com/office/drawing/2014/main" id="{9794C27F-EB6F-48B6-B6F6-BBE68822D484}"/>
+                <a16:creationId xmlns="" xmlns:a16="http://schemas.microsoft.com/office/drawing/2014/main" id="{9794C27F-EB6F-48B6-B6F6-BBE68822D484}"/>
               </a:ext>
             </a:extLst>
           </p:cNvPr>
@@ -9759,7 +9800,7 @@
           <p:cNvPr id="4" name="Slide Number Placeholder 3">
             <a:extLst>
               <a:ext uri="{FF2B5EF4-FFF2-40B4-BE49-F238E27FC236}">
-                <a16:creationId xmlns:a16="http://schemas.microsoft.com/office/drawing/2014/main" id="{A958774F-F903-4A33-AC54-FAC687C24360}"/>
+                <a16:creationId xmlns="" xmlns:a16="http://schemas.microsoft.com/office/drawing/2014/main" id="{A958774F-F903-4A33-AC54-FAC687C24360}"/>
               </a:ext>
             </a:extLst>
           </p:cNvPr>
@@ -9931,7 +9972,7 @@
           <p:cNvPr id="2" name="Title 1">
             <a:extLst>
               <a:ext uri="{FF2B5EF4-FFF2-40B4-BE49-F238E27FC236}">
-                <a16:creationId xmlns:a16="http://schemas.microsoft.com/office/drawing/2014/main" id="{81099350-214A-41F7-AFDB-5AB5505CE43B}"/>
+                <a16:creationId xmlns="" xmlns:a16="http://schemas.microsoft.com/office/drawing/2014/main" id="{81099350-214A-41F7-AFDB-5AB5505CE43B}"/>
               </a:ext>
             </a:extLst>
           </p:cNvPr>
@@ -9959,7 +10000,7 @@
           <p:cNvPr id="3" name="Content Placeholder 2">
             <a:extLst>
               <a:ext uri="{FF2B5EF4-FFF2-40B4-BE49-F238E27FC236}">
-                <a16:creationId xmlns:a16="http://schemas.microsoft.com/office/drawing/2014/main" id="{501D395C-B224-4137-B75B-93071CBE17D9}"/>
+                <a16:creationId xmlns="" xmlns:a16="http://schemas.microsoft.com/office/drawing/2014/main" id="{501D395C-B224-4137-B75B-93071CBE17D9}"/>
               </a:ext>
             </a:extLst>
           </p:cNvPr>
@@ -10053,14 +10094,14 @@
           </a:p>
           <a:p>
             <a:r>
-              <a:rPr lang="en-AU" dirty="0" err="1">
+              <a:rPr lang="en-AU" dirty="0" smtClean="0">
                 <a:solidFill>
                   <a:schemeClr val="tx2">
                     <a:lumMod val="10000"/>
                   </a:schemeClr>
                 </a:solidFill>
               </a:rPr>
-              <a:t>Behavior</a:t>
+              <a:t>Behaviour </a:t>
             </a:r>
             <a:r>
               <a:rPr lang="en-AU" dirty="0">
@@ -10070,7 +10111,7 @@
                   </a:schemeClr>
                 </a:solidFill>
               </a:rPr>
-              <a:t> Control</a:t>
+              <a:t>Control</a:t>
             </a:r>
           </a:p>
           <a:p>
@@ -10130,7 +10171,7 @@
           <p:cNvPr id="4" name="Slide Number Placeholder 3">
             <a:extLst>
               <a:ext uri="{FF2B5EF4-FFF2-40B4-BE49-F238E27FC236}">
-                <a16:creationId xmlns:a16="http://schemas.microsoft.com/office/drawing/2014/main" id="{E16FE6F1-7B0A-4200-B81E-7BE20AB86F3D}"/>
+                <a16:creationId xmlns="" xmlns:a16="http://schemas.microsoft.com/office/drawing/2014/main" id="{E16FE6F1-7B0A-4200-B81E-7BE20AB86F3D}"/>
               </a:ext>
             </a:extLst>
           </p:cNvPr>
@@ -10198,7 +10239,7 @@
           <p:cNvPr id="2" name="Title 1">
             <a:extLst>
               <a:ext uri="{FF2B5EF4-FFF2-40B4-BE49-F238E27FC236}">
-                <a16:creationId xmlns:a16="http://schemas.microsoft.com/office/drawing/2014/main" id="{D9879B7F-52D7-4617-A5AA-22D9F50AD5C3}"/>
+                <a16:creationId xmlns="" xmlns:a16="http://schemas.microsoft.com/office/drawing/2014/main" id="{D9879B7F-52D7-4617-A5AA-22D9F50AD5C3}"/>
               </a:ext>
             </a:extLst>
           </p:cNvPr>
@@ -10226,7 +10267,7 @@
           <p:cNvPr id="3" name="Content Placeholder 2">
             <a:extLst>
               <a:ext uri="{FF2B5EF4-FFF2-40B4-BE49-F238E27FC236}">
-                <a16:creationId xmlns:a16="http://schemas.microsoft.com/office/drawing/2014/main" id="{0B108B05-50C9-4F69-A484-469D3ECAA296}"/>
+                <a16:creationId xmlns="" xmlns:a16="http://schemas.microsoft.com/office/drawing/2014/main" id="{0B108B05-50C9-4F69-A484-469D3ECAA296}"/>
               </a:ext>
             </a:extLst>
           </p:cNvPr>
@@ -10331,7 +10372,7 @@
           <p:cNvPr id="4" name="Slide Number Placeholder 3">
             <a:extLst>
               <a:ext uri="{FF2B5EF4-FFF2-40B4-BE49-F238E27FC236}">
-                <a16:creationId xmlns:a16="http://schemas.microsoft.com/office/drawing/2014/main" id="{838C7239-0C84-40D8-8488-01367DE04E1C}"/>
+                <a16:creationId xmlns="" xmlns:a16="http://schemas.microsoft.com/office/drawing/2014/main" id="{838C7239-0C84-40D8-8488-01367DE04E1C}"/>
               </a:ext>
             </a:extLst>
           </p:cNvPr>

--- a/Network-Security/Module_3_Network_Defense/Lesson_2_Firewalls.pptx
+++ b/Network-Security/Module_3_Network_Defense/Lesson_2_Firewalls.pptx
@@ -32,7 +32,7 @@
     <p:sldId id="354" r:id="rId23"/>
     <p:sldId id="355" r:id="rId24"/>
     <p:sldId id="369" r:id="rId25"/>
-    <p:sldId id="333" r:id="rId26"/>
+    <p:sldId id="370" r:id="rId26"/>
   </p:sldIdLst>
   <p:sldSz cx="9144000" cy="6858000" type="screen4x3"/>
   <p:notesSz cx="7315200" cy="9601200"/>
@@ -292,7 +292,7 @@
               <a:pPr>
                 <a:defRPr/>
               </a:pPr>
-              <a:t>4/21/18</a:t>
+              <a:t>4/24/18</a:t>
             </a:fld>
             <a:endParaRPr lang="en-US"/>
           </a:p>
@@ -1344,7 +1344,7 @@
     </p:spTree>
     <p:extLst>
       <p:ext uri="{BB962C8B-B14F-4D97-AF65-F5344CB8AC3E}">
-        <p14:creationId xmlns:p14="http://schemas.microsoft.com/office/powerpoint/2010/main" val="2433617412"/>
+        <p14:creationId xmlns:p14="http://schemas.microsoft.com/office/powerpoint/2010/main" val="1369082976"/>
       </p:ext>
     </p:extLst>
   </p:cSld>
@@ -4335,7 +4335,7 @@
           <p:cNvPr id="2" name="Title 1">
             <a:extLst>
               <a:ext uri="{FF2B5EF4-FFF2-40B4-BE49-F238E27FC236}">
-                <a16:creationId xmlns="" xmlns:a16="http://schemas.microsoft.com/office/drawing/2014/main" id="{5C287DE2-E1A2-4F41-96FE-94AF4425CB03}"/>
+                <a16:creationId xmlns:a16="http://schemas.microsoft.com/office/drawing/2014/main" xmlns="" id="{5C287DE2-E1A2-4F41-96FE-94AF4425CB03}"/>
               </a:ext>
             </a:extLst>
           </p:cNvPr>
@@ -4481,7 +4481,7 @@
           <p:cNvPr id="3" name="Slide Number Placeholder 2">
             <a:extLst>
               <a:ext uri="{FF2B5EF4-FFF2-40B4-BE49-F238E27FC236}">
-                <a16:creationId xmlns="" xmlns:a16="http://schemas.microsoft.com/office/drawing/2014/main" id="{7D2FFADE-E1BC-48C1-83AA-6DDDD39A33C4}"/>
+                <a16:creationId xmlns:a16="http://schemas.microsoft.com/office/drawing/2014/main" xmlns="" id="{7D2FFADE-E1BC-48C1-83AA-6DDDD39A33C4}"/>
               </a:ext>
             </a:extLst>
           </p:cNvPr>
@@ -4516,7 +4516,7 @@
           <p:cNvPr id="9" name="Picture 8">
             <a:extLst>
               <a:ext uri="{FF2B5EF4-FFF2-40B4-BE49-F238E27FC236}">
-                <a16:creationId xmlns="" xmlns:a16="http://schemas.microsoft.com/office/drawing/2014/main" id="{9CBFC76A-A606-42CF-BCDF-C73975C150B9}"/>
+                <a16:creationId xmlns:a16="http://schemas.microsoft.com/office/drawing/2014/main" xmlns="" id="{9CBFC76A-A606-42CF-BCDF-C73975C150B9}"/>
               </a:ext>
             </a:extLst>
           </p:cNvPr>
@@ -5581,7 +5581,7 @@
           <p:cNvPr id="2" name="Title 1">
             <a:extLst>
               <a:ext uri="{FF2B5EF4-FFF2-40B4-BE49-F238E27FC236}">
-                <a16:creationId xmlns="" xmlns:a16="http://schemas.microsoft.com/office/drawing/2014/main" id="{0620A542-2B2C-44E9-B6C8-5610E6400091}"/>
+                <a16:creationId xmlns:a16="http://schemas.microsoft.com/office/drawing/2014/main" xmlns="" id="{0620A542-2B2C-44E9-B6C8-5610E6400091}"/>
               </a:ext>
             </a:extLst>
           </p:cNvPr>
@@ -5609,7 +5609,7 @@
           <p:cNvPr id="3" name="Content Placeholder 2">
             <a:extLst>
               <a:ext uri="{FF2B5EF4-FFF2-40B4-BE49-F238E27FC236}">
-                <a16:creationId xmlns="" xmlns:a16="http://schemas.microsoft.com/office/drawing/2014/main" id="{F1B47A83-F9E6-4890-A96F-9070E76FF69C}"/>
+                <a16:creationId xmlns:a16="http://schemas.microsoft.com/office/drawing/2014/main" xmlns="" id="{F1B47A83-F9E6-4890-A96F-9070E76FF69C}"/>
               </a:ext>
             </a:extLst>
           </p:cNvPr>
@@ -5667,7 +5667,7 @@
           <p:cNvPr id="4" name="Slide Number Placeholder 3">
             <a:extLst>
               <a:ext uri="{FF2B5EF4-FFF2-40B4-BE49-F238E27FC236}">
-                <a16:creationId xmlns="" xmlns:a16="http://schemas.microsoft.com/office/drawing/2014/main" id="{27ADB6A3-062E-4E60-9751-F9588C466B37}"/>
+                <a16:creationId xmlns:a16="http://schemas.microsoft.com/office/drawing/2014/main" xmlns="" id="{27ADB6A3-062E-4E60-9751-F9588C466B37}"/>
               </a:ext>
             </a:extLst>
           </p:cNvPr>
@@ -5856,7 +5856,7 @@
           <p:cNvPr id="10" name="Content Placeholder 9">
             <a:extLst>
               <a:ext uri="{FF2B5EF4-FFF2-40B4-BE49-F238E27FC236}">
-                <a16:creationId xmlns="" xmlns:a16="http://schemas.microsoft.com/office/drawing/2014/main" id="{A8C278A6-30AB-4E0F-8D56-8D33715CF285}"/>
+                <a16:creationId xmlns:a16="http://schemas.microsoft.com/office/drawing/2014/main" xmlns="" id="{A8C278A6-30AB-4E0F-8D56-8D33715CF285}"/>
               </a:ext>
             </a:extLst>
           </p:cNvPr>
@@ -5981,7 +5981,7 @@
           <p:cNvPr id="2" name="Title 1">
             <a:extLst>
               <a:ext uri="{FF2B5EF4-FFF2-40B4-BE49-F238E27FC236}">
-                <a16:creationId xmlns="" xmlns:a16="http://schemas.microsoft.com/office/drawing/2014/main" id="{0DCE9FA4-9651-4591-BC6B-703FD96ED81D}"/>
+                <a16:creationId xmlns:a16="http://schemas.microsoft.com/office/drawing/2014/main" xmlns="" id="{0DCE9FA4-9651-4591-BC6B-703FD96ED81D}"/>
               </a:ext>
             </a:extLst>
           </p:cNvPr>
@@ -6009,7 +6009,7 @@
           <p:cNvPr id="3" name="Content Placeholder 2">
             <a:extLst>
               <a:ext uri="{FF2B5EF4-FFF2-40B4-BE49-F238E27FC236}">
-                <a16:creationId xmlns="" xmlns:a16="http://schemas.microsoft.com/office/drawing/2014/main" id="{486A2601-D490-4FDD-90B2-36B0AC06C6E9}"/>
+                <a16:creationId xmlns:a16="http://schemas.microsoft.com/office/drawing/2014/main" xmlns="" id="{486A2601-D490-4FDD-90B2-36B0AC06C6E9}"/>
               </a:ext>
             </a:extLst>
           </p:cNvPr>
@@ -6094,7 +6094,7 @@
           <p:cNvPr id="4" name="Slide Number Placeholder 3">
             <a:extLst>
               <a:ext uri="{FF2B5EF4-FFF2-40B4-BE49-F238E27FC236}">
-                <a16:creationId xmlns="" xmlns:a16="http://schemas.microsoft.com/office/drawing/2014/main" id="{084FEBDA-5872-479D-B1C6-FA1F625CFC09}"/>
+                <a16:creationId xmlns:a16="http://schemas.microsoft.com/office/drawing/2014/main" xmlns="" id="{084FEBDA-5872-479D-B1C6-FA1F625CFC09}"/>
               </a:ext>
             </a:extLst>
           </p:cNvPr>
@@ -6162,7 +6162,7 @@
           <p:cNvPr id="2" name="Title 1">
             <a:extLst>
               <a:ext uri="{FF2B5EF4-FFF2-40B4-BE49-F238E27FC236}">
-                <a16:creationId xmlns="" xmlns:a16="http://schemas.microsoft.com/office/drawing/2014/main" id="{54FF3B2C-44D8-4CBB-8D7D-0C3351D3C2D5}"/>
+                <a16:creationId xmlns:a16="http://schemas.microsoft.com/office/drawing/2014/main" xmlns="" id="{54FF3B2C-44D8-4CBB-8D7D-0C3351D3C2D5}"/>
               </a:ext>
             </a:extLst>
           </p:cNvPr>
@@ -6190,7 +6190,7 @@
           <p:cNvPr id="3" name="Content Placeholder 2">
             <a:extLst>
               <a:ext uri="{FF2B5EF4-FFF2-40B4-BE49-F238E27FC236}">
-                <a16:creationId xmlns="" xmlns:a16="http://schemas.microsoft.com/office/drawing/2014/main" id="{EFD72E7B-0316-49F5-84FB-29DC73B7FE26}"/>
+                <a16:creationId xmlns:a16="http://schemas.microsoft.com/office/drawing/2014/main" xmlns="" id="{EFD72E7B-0316-49F5-84FB-29DC73B7FE26}"/>
               </a:ext>
             </a:extLst>
           </p:cNvPr>
@@ -6248,7 +6248,7 @@
           <p:cNvPr id="4" name="Slide Number Placeholder 3">
             <a:extLst>
               <a:ext uri="{FF2B5EF4-FFF2-40B4-BE49-F238E27FC236}">
-                <a16:creationId xmlns="" xmlns:a16="http://schemas.microsoft.com/office/drawing/2014/main" id="{07906505-16F6-4BA9-B855-9C02DF38D55F}"/>
+                <a16:creationId xmlns:a16="http://schemas.microsoft.com/office/drawing/2014/main" xmlns="" id="{07906505-16F6-4BA9-B855-9C02DF38D55F}"/>
               </a:ext>
             </a:extLst>
           </p:cNvPr>
@@ -6316,7 +6316,7 @@
           <p:cNvPr id="5" name="Title 4">
             <a:extLst>
               <a:ext uri="{FF2B5EF4-FFF2-40B4-BE49-F238E27FC236}">
-                <a16:creationId xmlns="" xmlns:a16="http://schemas.microsoft.com/office/drawing/2014/main" id="{03751C86-F430-47E6-8952-ED40972261BB}"/>
+                <a16:creationId xmlns:a16="http://schemas.microsoft.com/office/drawing/2014/main" xmlns="" id="{03751C86-F430-47E6-8952-ED40972261BB}"/>
               </a:ext>
             </a:extLst>
           </p:cNvPr>
@@ -6341,7 +6341,7 @@
           <p:cNvPr id="3" name="Text Placeholder 2">
             <a:extLst>
               <a:ext uri="{FF2B5EF4-FFF2-40B4-BE49-F238E27FC236}">
-                <a16:creationId xmlns="" xmlns:a16="http://schemas.microsoft.com/office/drawing/2014/main" id="{B5CE434F-09A6-40C4-AAE4-91EB8DA437D0}"/>
+                <a16:creationId xmlns:a16="http://schemas.microsoft.com/office/drawing/2014/main" xmlns="" id="{B5CE434F-09A6-40C4-AAE4-91EB8DA437D0}"/>
               </a:ext>
             </a:extLst>
           </p:cNvPr>
@@ -6469,7 +6469,7 @@
           <p:cNvPr id="4" name="Slide Number Placeholder 3">
             <a:extLst>
               <a:ext uri="{FF2B5EF4-FFF2-40B4-BE49-F238E27FC236}">
-                <a16:creationId xmlns="" xmlns:a16="http://schemas.microsoft.com/office/drawing/2014/main" id="{98F3E5CB-C8BE-4316-B67A-E678496BD0C5}"/>
+                <a16:creationId xmlns:a16="http://schemas.microsoft.com/office/drawing/2014/main" xmlns="" id="{98F3E5CB-C8BE-4316-B67A-E678496BD0C5}"/>
               </a:ext>
             </a:extLst>
           </p:cNvPr>
@@ -6504,7 +6504,7 @@
           <p:cNvPr id="6" name="Table 5">
             <a:extLst>
               <a:ext uri="{FF2B5EF4-FFF2-40B4-BE49-F238E27FC236}">
-                <a16:creationId xmlns="" xmlns:a16="http://schemas.microsoft.com/office/drawing/2014/main" id="{B2AD9453-16E9-48CC-B7E3-8A0F85D862FF}"/>
+                <a16:creationId xmlns:a16="http://schemas.microsoft.com/office/drawing/2014/main" xmlns="" id="{B2AD9453-16E9-48CC-B7E3-8A0F85D862FF}"/>
               </a:ext>
             </a:extLst>
           </p:cNvPr>
@@ -6533,21 +6533,21 @@
                 <a:gridCol w="2651760">
                   <a:extLst>
                     <a:ext uri="{9D8B030D-6E8A-4147-A177-3AD203B41FA5}">
-                      <a16:colId xmlns="" xmlns:a16="http://schemas.microsoft.com/office/drawing/2014/main" val="2290343169"/>
+                      <a16:colId xmlns:a16="http://schemas.microsoft.com/office/drawing/2014/main" xmlns="" val="2290343169"/>
                     </a:ext>
                   </a:extLst>
                 </a:gridCol>
                 <a:gridCol w="2651760">
                   <a:extLst>
                     <a:ext uri="{9D8B030D-6E8A-4147-A177-3AD203B41FA5}">
-                      <a16:colId xmlns="" xmlns:a16="http://schemas.microsoft.com/office/drawing/2014/main" val="3401085425"/>
+                      <a16:colId xmlns:a16="http://schemas.microsoft.com/office/drawing/2014/main" xmlns="" val="3401085425"/>
                     </a:ext>
                   </a:extLst>
                 </a:gridCol>
                 <a:gridCol w="2651760">
                   <a:extLst>
                     <a:ext uri="{9D8B030D-6E8A-4147-A177-3AD203B41FA5}">
-                      <a16:colId xmlns="" xmlns:a16="http://schemas.microsoft.com/office/drawing/2014/main" val="72700769"/>
+                      <a16:colId xmlns:a16="http://schemas.microsoft.com/office/drawing/2014/main" xmlns="" val="72700769"/>
                     </a:ext>
                   </a:extLst>
                 </a:gridCol>
@@ -6609,7 +6609,7 @@
                 </a:tc>
                 <a:extLst>
                   <a:ext uri="{0D108BD9-81ED-4DB2-BD59-A6C34878D82A}">
-                    <a16:rowId xmlns="" xmlns:a16="http://schemas.microsoft.com/office/drawing/2014/main" val="234682701"/>
+                    <a16:rowId xmlns:a16="http://schemas.microsoft.com/office/drawing/2014/main" xmlns="" val="234682701"/>
                   </a:ext>
                 </a:extLst>
               </a:tr>
@@ -6709,7 +6709,7 @@
                 </a:tc>
                 <a:extLst>
                   <a:ext uri="{0D108BD9-81ED-4DB2-BD59-A6C34878D82A}">
-                    <a16:rowId xmlns="" xmlns:a16="http://schemas.microsoft.com/office/drawing/2014/main" val="4045908483"/>
+                    <a16:rowId xmlns:a16="http://schemas.microsoft.com/office/drawing/2014/main" xmlns="" val="4045908483"/>
                   </a:ext>
                 </a:extLst>
               </a:tr>
@@ -6809,7 +6809,7 @@
                 </a:tc>
                 <a:extLst>
                   <a:ext uri="{0D108BD9-81ED-4DB2-BD59-A6C34878D82A}">
-                    <a16:rowId xmlns="" xmlns:a16="http://schemas.microsoft.com/office/drawing/2014/main" val="773675788"/>
+                    <a16:rowId xmlns:a16="http://schemas.microsoft.com/office/drawing/2014/main" xmlns="" val="773675788"/>
                   </a:ext>
                 </a:extLst>
               </a:tr>
@@ -6909,7 +6909,7 @@
                 </a:tc>
                 <a:extLst>
                   <a:ext uri="{0D108BD9-81ED-4DB2-BD59-A6C34878D82A}">
-                    <a16:rowId xmlns="" xmlns:a16="http://schemas.microsoft.com/office/drawing/2014/main" val="3059151395"/>
+                    <a16:rowId xmlns:a16="http://schemas.microsoft.com/office/drawing/2014/main" xmlns="" val="3059151395"/>
                   </a:ext>
                 </a:extLst>
               </a:tr>
@@ -7009,7 +7009,7 @@
                 </a:tc>
                 <a:extLst>
                   <a:ext uri="{0D108BD9-81ED-4DB2-BD59-A6C34878D82A}">
-                    <a16:rowId xmlns="" xmlns:a16="http://schemas.microsoft.com/office/drawing/2014/main" val="684706862"/>
+                    <a16:rowId xmlns:a16="http://schemas.microsoft.com/office/drawing/2014/main" xmlns="" val="684706862"/>
                   </a:ext>
                 </a:extLst>
               </a:tr>
@@ -7109,7 +7109,7 @@
                 </a:tc>
                 <a:extLst>
                   <a:ext uri="{0D108BD9-81ED-4DB2-BD59-A6C34878D82A}">
-                    <a16:rowId xmlns="" xmlns:a16="http://schemas.microsoft.com/office/drawing/2014/main" val="1191777844"/>
+                    <a16:rowId xmlns:a16="http://schemas.microsoft.com/office/drawing/2014/main" xmlns="" val="1191777844"/>
                   </a:ext>
                 </a:extLst>
               </a:tr>
@@ -7209,7 +7209,7 @@
                 </a:tc>
                 <a:extLst>
                   <a:ext uri="{0D108BD9-81ED-4DB2-BD59-A6C34878D82A}">
-                    <a16:rowId xmlns="" xmlns:a16="http://schemas.microsoft.com/office/drawing/2014/main" val="4085408620"/>
+                    <a16:rowId xmlns:a16="http://schemas.microsoft.com/office/drawing/2014/main" xmlns="" val="4085408620"/>
                   </a:ext>
                 </a:extLst>
               </a:tr>
@@ -7295,7 +7295,7 @@
                 </a:tc>
                 <a:extLst>
                   <a:ext uri="{0D108BD9-81ED-4DB2-BD59-A6C34878D82A}">
-                    <a16:rowId xmlns="" xmlns:a16="http://schemas.microsoft.com/office/drawing/2014/main" val="425127217"/>
+                    <a16:rowId xmlns:a16="http://schemas.microsoft.com/office/drawing/2014/main" xmlns="" val="425127217"/>
                   </a:ext>
                 </a:extLst>
               </a:tr>
@@ -7395,7 +7395,7 @@
                 </a:tc>
                 <a:extLst>
                   <a:ext uri="{0D108BD9-81ED-4DB2-BD59-A6C34878D82A}">
-                    <a16:rowId xmlns="" xmlns:a16="http://schemas.microsoft.com/office/drawing/2014/main" val="2461734667"/>
+                    <a16:rowId xmlns:a16="http://schemas.microsoft.com/office/drawing/2014/main" xmlns="" val="2461734667"/>
                   </a:ext>
                 </a:extLst>
               </a:tr>
@@ -7495,7 +7495,7 @@
                 </a:tc>
                 <a:extLst>
                   <a:ext uri="{0D108BD9-81ED-4DB2-BD59-A6C34878D82A}">
-                    <a16:rowId xmlns="" xmlns:a16="http://schemas.microsoft.com/office/drawing/2014/main" val="2583123379"/>
+                    <a16:rowId xmlns:a16="http://schemas.microsoft.com/office/drawing/2014/main" xmlns="" val="2583123379"/>
                   </a:ext>
                 </a:extLst>
               </a:tr>
@@ -7597,7 +7597,7 @@
                 </a:tc>
                 <a:extLst>
                   <a:ext uri="{0D108BD9-81ED-4DB2-BD59-A6C34878D82A}">
-                    <a16:rowId xmlns="" xmlns:a16="http://schemas.microsoft.com/office/drawing/2014/main" val="389609176"/>
+                    <a16:rowId xmlns:a16="http://schemas.microsoft.com/office/drawing/2014/main" xmlns="" val="389609176"/>
                   </a:ext>
                 </a:extLst>
               </a:tr>
@@ -8168,7 +8168,7 @@
           <p:cNvPr id="2" name="Title 1">
             <a:extLst>
               <a:ext uri="{FF2B5EF4-FFF2-40B4-BE49-F238E27FC236}">
-                <a16:creationId xmlns="" xmlns:a16="http://schemas.microsoft.com/office/drawing/2014/main" id="{4FDDDE79-84CD-4BD4-8191-64CD17F70EB2}"/>
+                <a16:creationId xmlns:a16="http://schemas.microsoft.com/office/drawing/2014/main" xmlns="" id="{4FDDDE79-84CD-4BD4-8191-64CD17F70EB2}"/>
               </a:ext>
             </a:extLst>
           </p:cNvPr>
@@ -8197,7 +8197,7 @@
           <p:cNvPr id="3" name="Content Placeholder 2">
             <a:extLst>
               <a:ext uri="{FF2B5EF4-FFF2-40B4-BE49-F238E27FC236}">
-                <a16:creationId xmlns="" xmlns:a16="http://schemas.microsoft.com/office/drawing/2014/main" id="{1E11D7D9-AFF5-4F1C-A116-5D460DCCEF0D}"/>
+                <a16:creationId xmlns:a16="http://schemas.microsoft.com/office/drawing/2014/main" xmlns="" id="{1E11D7D9-AFF5-4F1C-A116-5D460DCCEF0D}"/>
               </a:ext>
             </a:extLst>
           </p:cNvPr>
@@ -8287,7 +8287,7 @@
           <p:cNvPr id="4" name="Slide Number Placeholder 3">
             <a:extLst>
               <a:ext uri="{FF2B5EF4-FFF2-40B4-BE49-F238E27FC236}">
-                <a16:creationId xmlns="" xmlns:a16="http://schemas.microsoft.com/office/drawing/2014/main" id="{95BCECBD-F96D-47DA-9A6D-248B240ABC8D}"/>
+                <a16:creationId xmlns:a16="http://schemas.microsoft.com/office/drawing/2014/main" xmlns="" id="{95BCECBD-F96D-47DA-9A6D-248B240ABC8D}"/>
               </a:ext>
             </a:extLst>
           </p:cNvPr>
@@ -8503,7 +8503,7 @@
           <p:cNvPr id="6" name="Picture 5">
             <a:extLst>
               <a:ext uri="{FF2B5EF4-FFF2-40B4-BE49-F238E27FC236}">
-                <a16:creationId xmlns="" xmlns:a16="http://schemas.microsoft.com/office/drawing/2014/main" id="{EFB265BC-A46E-4D9E-865F-05E71C673343}"/>
+                <a16:creationId xmlns:a16="http://schemas.microsoft.com/office/drawing/2014/main" xmlns="" id="{EFB265BC-A46E-4D9E-865F-05E71C673343}"/>
               </a:ext>
             </a:extLst>
           </p:cNvPr>
@@ -9067,7 +9067,7 @@
           <p:cNvPr id="2" name="Title 1">
             <a:extLst>
               <a:ext uri="{FF2B5EF4-FFF2-40B4-BE49-F238E27FC236}">
-                <a16:creationId xmlns="" xmlns:a16="http://schemas.microsoft.com/office/drawing/2014/main" id="{F0002A01-6AAD-4B52-9D1D-9F4DDAF6964D}"/>
+                <a16:creationId xmlns:a16="http://schemas.microsoft.com/office/drawing/2014/main" xmlns="" id="{F0002A01-6AAD-4B52-9D1D-9F4DDAF6964D}"/>
               </a:ext>
             </a:extLst>
           </p:cNvPr>
@@ -9095,7 +9095,7 @@
           <p:cNvPr id="3" name="Content Placeholder 2">
             <a:extLst>
               <a:ext uri="{FF2B5EF4-FFF2-40B4-BE49-F238E27FC236}">
-                <a16:creationId xmlns="" xmlns:a16="http://schemas.microsoft.com/office/drawing/2014/main" id="{A678A1B3-A563-465D-9514-03C60527373A}"/>
+                <a16:creationId xmlns:a16="http://schemas.microsoft.com/office/drawing/2014/main" xmlns="" id="{A678A1B3-A563-465D-9514-03C60527373A}"/>
               </a:ext>
             </a:extLst>
           </p:cNvPr>
@@ -9174,7 +9174,7 @@
           <p:cNvPr id="4" name="Slide Number Placeholder 3">
             <a:extLst>
               <a:ext uri="{FF2B5EF4-FFF2-40B4-BE49-F238E27FC236}">
-                <a16:creationId xmlns="" xmlns:a16="http://schemas.microsoft.com/office/drawing/2014/main" id="{44890AD5-77F0-402D-9694-26D475E2035D}"/>
+                <a16:creationId xmlns:a16="http://schemas.microsoft.com/office/drawing/2014/main" xmlns="" id="{44890AD5-77F0-402D-9694-26D475E2035D}"/>
               </a:ext>
             </a:extLst>
           </p:cNvPr>
@@ -9234,10 +9234,10 @@
       </p:grpSpPr>
       <p:sp>
         <p:nvSpPr>
-          <p:cNvPr id="11" name="Title 10">
+          <p:cNvPr id="7" name="Slide Number Placeholder 6">
             <a:extLst>
               <a:ext uri="{FF2B5EF4-FFF2-40B4-BE49-F238E27FC236}">
-                <a16:creationId xmlns="" xmlns:a16="http://schemas.microsoft.com/office/drawing/2014/main" id="{1F52A716-5142-4987-84C0-078D1007C406}"/>
+                <a16:creationId xmlns="" xmlns:a16="http://schemas.microsoft.com/office/drawing/2014/main" id="{27B55DC7-B95B-4807-B808-1E7A81E0F45A}"/>
               </a:ext>
             </a:extLst>
           </p:cNvPr>
@@ -9245,7 +9245,7 @@
             <a:spLocks noGrp="1"/>
           </p:cNvSpPr>
           <p:nvPr>
-            <p:ph type="title"/>
+            <p:ph type="sldNum" sz="quarter" idx="10"/>
           </p:nvPr>
         </p:nvSpPr>
         <p:spPr/>
@@ -9253,42 +9253,332 @@
           <a:bodyPr/>
           <a:lstStyle/>
           <a:p>
+            <a:fld id="{FB267019-40B7-405C-98B7-75F3216AFF79}" type="slidenum">
+              <a:rPr lang="en-US" smtClean="0"/>
+              <a:pPr/>
+              <a:t>25</a:t>
+            </a:fld>
             <a:endParaRPr lang="en-US" dirty="0"/>
           </a:p>
         </p:txBody>
       </p:sp>
       <p:sp>
         <p:nvSpPr>
-          <p:cNvPr id="2" name="Slide Number Placeholder 1">
+          <p:cNvPr id="19" name="Text Placeholder 7">
             <a:extLst>
               <a:ext uri="{FF2B5EF4-FFF2-40B4-BE49-F238E27FC236}">
-                <a16:creationId xmlns="" xmlns:a16="http://schemas.microsoft.com/office/drawing/2014/main" id="{68E7E42E-59F7-4E59-B615-38E41297994C}"/>
+                <a16:creationId xmlns="" xmlns:a16="http://schemas.microsoft.com/office/drawing/2014/main" id="{2785A2B3-FCF4-4D59-9841-12917D91B27A}"/>
               </a:ext>
             </a:extLst>
           </p:cNvPr>
-          <p:cNvSpPr>
-            <a:spLocks noGrp="1"/>
-          </p:cNvSpPr>
-          <p:nvPr>
-            <p:ph type="sldNum" sz="quarter" idx="10"/>
-          </p:nvPr>
-        </p:nvSpPr>
-        <p:spPr/>
+          <p:cNvSpPr txBox="1">
+            <a:spLocks/>
+          </p:cNvSpPr>
+          <p:nvPr/>
+        </p:nvSpPr>
+        <p:spPr>
+          <a:xfrm>
+            <a:off x="725683" y="871606"/>
+            <a:ext cx="7893050" cy="5114787"/>
+          </a:xfrm>
+          <a:prstGeom prst="rect">
+            <a:avLst/>
+          </a:prstGeom>
+        </p:spPr>
         <p:txBody>
           <a:bodyPr/>
-          <a:lstStyle/>
-          <a:p>
-            <a:pPr>
-              <a:defRPr/>
-            </a:pPr>
-            <a:fld id="{FB267019-40B7-405C-98B7-75F3216AFF79}" type="slidenum">
-              <a:rPr lang="en-US" smtClean="0"/>
-              <a:pPr>
-                <a:defRPr/>
-              </a:pPr>
-              <a:t>25</a:t>
-            </a:fld>
+          <a:lstStyle>
+            <a:lvl1pPr marL="0" indent="0" algn="ctr" defTabSz="685800" rtl="0" eaLnBrk="0" fontAlgn="base" hangingPunct="0">
+              <a:lnSpc>
+                <a:spcPct val="90000"/>
+              </a:lnSpc>
+              <a:spcBef>
+                <a:spcPts val="750"/>
+              </a:spcBef>
+              <a:spcAft>
+                <a:spcPct val="0"/>
+              </a:spcAft>
+              <a:buFont typeface="Arial" charset="0"/>
+              <a:buNone/>
+              <a:defRPr sz="1800" kern="1200">
+                <a:solidFill>
+                  <a:schemeClr val="tx1"/>
+                </a:solidFill>
+                <a:latin typeface="+mn-lt"/>
+                <a:ea typeface="+mn-ea"/>
+                <a:cs typeface="+mn-cs"/>
+              </a:defRPr>
+            </a:lvl1pPr>
+            <a:lvl2pPr marL="514350" indent="-171450" algn="l" defTabSz="685800" rtl="0" eaLnBrk="0" fontAlgn="base" hangingPunct="0">
+              <a:lnSpc>
+                <a:spcPct val="90000"/>
+              </a:lnSpc>
+              <a:spcBef>
+                <a:spcPts val="375"/>
+              </a:spcBef>
+              <a:spcAft>
+                <a:spcPct val="0"/>
+              </a:spcAft>
+              <a:buFont typeface="Arial" charset="0"/>
+              <a:buChar char="•"/>
+              <a:defRPr sz="2400" kern="1200">
+                <a:solidFill>
+                  <a:schemeClr val="tx1"/>
+                </a:solidFill>
+                <a:latin typeface="+mn-lt"/>
+                <a:ea typeface="+mn-ea"/>
+                <a:cs typeface="+mn-cs"/>
+              </a:defRPr>
+            </a:lvl2pPr>
+            <a:lvl3pPr marL="857250" indent="-171450" algn="l" defTabSz="685800" rtl="0" eaLnBrk="0" fontAlgn="base" hangingPunct="0">
+              <a:lnSpc>
+                <a:spcPct val="90000"/>
+              </a:lnSpc>
+              <a:spcBef>
+                <a:spcPts val="375"/>
+              </a:spcBef>
+              <a:spcAft>
+                <a:spcPct val="0"/>
+              </a:spcAft>
+              <a:buFont typeface="Arial" charset="0"/>
+              <a:buChar char="•"/>
+              <a:defRPr sz="1800" kern="1200">
+                <a:solidFill>
+                  <a:schemeClr val="tx1"/>
+                </a:solidFill>
+                <a:latin typeface="+mn-lt"/>
+                <a:ea typeface="+mn-ea"/>
+                <a:cs typeface="+mn-cs"/>
+              </a:defRPr>
+            </a:lvl3pPr>
+            <a:lvl4pPr marL="1200150" indent="-171450" algn="l" defTabSz="685800" rtl="0" eaLnBrk="0" fontAlgn="base" hangingPunct="0">
+              <a:lnSpc>
+                <a:spcPct val="90000"/>
+              </a:lnSpc>
+              <a:spcBef>
+                <a:spcPts val="375"/>
+              </a:spcBef>
+              <a:spcAft>
+                <a:spcPct val="0"/>
+              </a:spcAft>
+              <a:buFont typeface="Arial" charset="0"/>
+              <a:buChar char="•"/>
+              <a:defRPr sz="1600" kern="1200">
+                <a:solidFill>
+                  <a:schemeClr val="tx1"/>
+                </a:solidFill>
+                <a:latin typeface="+mn-lt"/>
+                <a:ea typeface="+mn-ea"/>
+                <a:cs typeface="+mn-cs"/>
+              </a:defRPr>
+            </a:lvl4pPr>
+            <a:lvl5pPr marL="1543050" indent="-171450" algn="l" defTabSz="685800" rtl="0" eaLnBrk="0" fontAlgn="base" hangingPunct="0">
+              <a:lnSpc>
+                <a:spcPct val="90000"/>
+              </a:lnSpc>
+              <a:spcBef>
+                <a:spcPts val="375"/>
+              </a:spcBef>
+              <a:spcAft>
+                <a:spcPct val="0"/>
+              </a:spcAft>
+              <a:buFont typeface="Arial" charset="0"/>
+              <a:buChar char="•"/>
+              <a:defRPr sz="1600" kern="1200">
+                <a:solidFill>
+                  <a:schemeClr val="tx1"/>
+                </a:solidFill>
+                <a:latin typeface="+mn-lt"/>
+                <a:ea typeface="+mn-ea"/>
+                <a:cs typeface="+mn-cs"/>
+              </a:defRPr>
+            </a:lvl5pPr>
+            <a:lvl6pPr marL="1885950" indent="-171450" algn="l" defTabSz="685800" rtl="0" eaLnBrk="1" latinLnBrk="0" hangingPunct="1">
+              <a:lnSpc>
+                <a:spcPct val="90000"/>
+              </a:lnSpc>
+              <a:spcBef>
+                <a:spcPts val="375"/>
+              </a:spcBef>
+              <a:buFont typeface="Arial" panose="020B0604020202020204" pitchFamily="34" charset="0"/>
+              <a:buChar char="•"/>
+              <a:defRPr sz="1350" kern="1200">
+                <a:solidFill>
+                  <a:schemeClr val="tx1"/>
+                </a:solidFill>
+                <a:latin typeface="+mn-lt"/>
+                <a:ea typeface="+mn-ea"/>
+                <a:cs typeface="+mn-cs"/>
+              </a:defRPr>
+            </a:lvl6pPr>
+            <a:lvl7pPr marL="2228850" indent="-171450" algn="l" defTabSz="685800" rtl="0" eaLnBrk="1" latinLnBrk="0" hangingPunct="1">
+              <a:lnSpc>
+                <a:spcPct val="90000"/>
+              </a:lnSpc>
+              <a:spcBef>
+                <a:spcPts val="375"/>
+              </a:spcBef>
+              <a:buFont typeface="Arial" panose="020B0604020202020204" pitchFamily="34" charset="0"/>
+              <a:buChar char="•"/>
+              <a:defRPr sz="1350" kern="1200">
+                <a:solidFill>
+                  <a:schemeClr val="tx1"/>
+                </a:solidFill>
+                <a:latin typeface="+mn-lt"/>
+                <a:ea typeface="+mn-ea"/>
+                <a:cs typeface="+mn-cs"/>
+              </a:defRPr>
+            </a:lvl7pPr>
+            <a:lvl8pPr marL="2571750" indent="-171450" algn="l" defTabSz="685800" rtl="0" eaLnBrk="1" latinLnBrk="0" hangingPunct="1">
+              <a:lnSpc>
+                <a:spcPct val="90000"/>
+              </a:lnSpc>
+              <a:spcBef>
+                <a:spcPts val="375"/>
+              </a:spcBef>
+              <a:buFont typeface="Arial" panose="020B0604020202020204" pitchFamily="34" charset="0"/>
+              <a:buChar char="•"/>
+              <a:defRPr sz="1350" kern="1200">
+                <a:solidFill>
+                  <a:schemeClr val="tx1"/>
+                </a:solidFill>
+                <a:latin typeface="+mn-lt"/>
+                <a:ea typeface="+mn-ea"/>
+                <a:cs typeface="+mn-cs"/>
+              </a:defRPr>
+            </a:lvl8pPr>
+            <a:lvl9pPr marL="2914650" indent="-171450" algn="l" defTabSz="685800" rtl="0" eaLnBrk="1" latinLnBrk="0" hangingPunct="1">
+              <a:lnSpc>
+                <a:spcPct val="90000"/>
+              </a:lnSpc>
+              <a:spcBef>
+                <a:spcPts val="375"/>
+              </a:spcBef>
+              <a:buFont typeface="Arial" panose="020B0604020202020204" pitchFamily="34" charset="0"/>
+              <a:buChar char="•"/>
+              <a:defRPr sz="1350" kern="1200">
+                <a:solidFill>
+                  <a:schemeClr val="tx1"/>
+                </a:solidFill>
+                <a:latin typeface="+mn-lt"/>
+                <a:ea typeface="+mn-ea"/>
+                <a:cs typeface="+mn-cs"/>
+              </a:defRPr>
+            </a:lvl9pPr>
+          </a:lstStyle>
+          <a:p>
+            <a:r>
+              <a:rPr lang="en-US" dirty="0"/>
+              <a:t>Please attribute Dr. Jim Alves-Foss and Dr. Jia Song, University of Idaho</a:t>
+            </a:r>
+            <a:br>
+              <a:rPr lang="en-US" dirty="0"/>
+            </a:br>
+            <a:r>
+              <a:rPr lang="en-US" dirty="0"/>
+              <a:t/>
+            </a:r>
+            <a:br>
+              <a:rPr lang="en-US" dirty="0"/>
+            </a:br>
+            <a:r>
+              <a:rPr lang="en-US" dirty="0"/>
+              <a:t/>
+            </a:r>
+            <a:br>
+              <a:rPr lang="en-US" dirty="0"/>
+            </a:br>
+            <a:r>
+              <a:rPr lang="en-US" dirty="0"/>
+              <a:t/>
+            </a:r>
+            <a:br>
+              <a:rPr lang="en-US" dirty="0"/>
+            </a:br>
+            <a:r>
+              <a:rPr lang="en-US" dirty="0"/>
+              <a:t/>
+            </a:r>
+            <a:br>
+              <a:rPr lang="en-US" dirty="0"/>
+            </a:br>
+            <a:r>
+              <a:rPr lang="en-US" dirty="0"/>
+              <a:t/>
+            </a:r>
+            <a:br>
+              <a:rPr lang="en-US" dirty="0"/>
+            </a:br>
+            <a:r>
+              <a:rPr lang="en-US" dirty="0"/>
+              <a:t/>
+            </a:r>
+            <a:br>
+              <a:rPr lang="en-US" dirty="0"/>
+            </a:br>
+            <a:r>
+              <a:rPr lang="en-US" dirty="0"/>
+              <a:t/>
+            </a:r>
+            <a:br>
+              <a:rPr lang="en-US" dirty="0"/>
+            </a:br>
             <a:endParaRPr lang="en-US" dirty="0"/>
+          </a:p>
+          <a:p>
+            <a:r>
+              <a:rPr lang="en-US" sz="1600" dirty="0"/>
+              <a:t>Except where otherwise noted, this work is licensed under https://creativecommons.org/licenses/by-nc-sa/4.0/</a:t>
+            </a:r>
+            <a:br>
+              <a:rPr lang="en-US" sz="1600" dirty="0"/>
+            </a:br>
+            <a:r>
+              <a:rPr lang="en-US" sz="1600" dirty="0"/>
+              <a:t/>
+            </a:r>
+            <a:br>
+              <a:rPr lang="en-US" sz="1600" dirty="0"/>
+            </a:br>
+            <a:r>
+              <a:rPr lang="en-US" sz="1600" dirty="0"/>
+              <a:t>Not withstanding the non-commercial license terms, non-profit educational institutions are granted a non-exclusive license to adapt and use this material, with attribution.</a:t>
+            </a:r>
+            <a:br>
+              <a:rPr lang="en-US" sz="1600" dirty="0"/>
+            </a:br>
+            <a:r>
+              <a:rPr lang="en-US" sz="1600" dirty="0"/>
+              <a:t/>
+            </a:r>
+            <a:br>
+              <a:rPr lang="en-US" sz="1600" dirty="0"/>
+            </a:br>
+            <a:r>
+              <a:rPr lang="en-US" sz="1600" dirty="0"/>
+              <a:t>Creative Commons and the double C in a circle are registered trademarks of Creative commons in the United States and other countries. Third party marks and brands are the property of their respective holders</a:t>
+            </a:r>
+            <a:r>
+              <a:rPr lang="en-US" sz="1600" dirty="0" smtClean="0"/>
+              <a:t>.</a:t>
+            </a:r>
+          </a:p>
+          <a:p>
+            <a:r>
+              <a:rPr lang="en-US" sz="1600" dirty="0"/>
+              <a:t>Project sponsored by the National Security Agency under grant Number </a:t>
+            </a:r>
+            <a:r>
+              <a:rPr lang="en-US" sz="1600" dirty="0" smtClean="0"/>
+              <a:t>H98230-17-1-0199. The </a:t>
+            </a:r>
+            <a:r>
+              <a:rPr lang="en-US" sz="1600" dirty="0"/>
+              <a:t>United States Government is authorized to reproduce and distribute reprints notwithstanding any copyright notation herein.</a:t>
+            </a:r>
+          </a:p>
+          <a:p>
+            <a:endParaRPr lang="en-US" sz="1600" dirty="0"/>
           </a:p>
         </p:txBody>
       </p:sp>
@@ -9298,7 +9588,7 @@
     </p:custDataLst>
     <p:extLst>
       <p:ext uri="{BB962C8B-B14F-4D97-AF65-F5344CB8AC3E}">
-        <p14:creationId xmlns:p14="http://schemas.microsoft.com/office/powerpoint/2010/main" val="1892705052"/>
+        <p14:creationId xmlns:p14="http://schemas.microsoft.com/office/powerpoint/2010/main" val="1175977931"/>
       </p:ext>
     </p:extLst>
   </p:cSld>
@@ -9400,7 +9690,7 @@
           <p:cNvPr id="3" name="Slide Number Placeholder 2">
             <a:extLst>
               <a:ext uri="{FF2B5EF4-FFF2-40B4-BE49-F238E27FC236}">
-                <a16:creationId xmlns="" xmlns:a16="http://schemas.microsoft.com/office/drawing/2014/main" id="{0B1163B0-19D9-4859-8B88-CD4B646011C3}"/>
+                <a16:creationId xmlns:a16="http://schemas.microsoft.com/office/drawing/2014/main" xmlns="" id="{0B1163B0-19D9-4859-8B88-CD4B646011C3}"/>
               </a:ext>
             </a:extLst>
           </p:cNvPr>
@@ -9463,7 +9753,7 @@
           <p:cNvPr id="2" name="Title 1">
             <a:extLst>
               <a:ext uri="{FF2B5EF4-FFF2-40B4-BE49-F238E27FC236}">
-                <a16:creationId xmlns="" xmlns:a16="http://schemas.microsoft.com/office/drawing/2014/main" id="{F8FC9E53-B5F3-4E67-B46E-607C9DB1789E}"/>
+                <a16:creationId xmlns:a16="http://schemas.microsoft.com/office/drawing/2014/main" xmlns="" id="{F8FC9E53-B5F3-4E67-B46E-607C9DB1789E}"/>
               </a:ext>
             </a:extLst>
           </p:cNvPr>
@@ -9491,7 +9781,7 @@
           <p:cNvPr id="3" name="Content Placeholder 2">
             <a:extLst>
               <a:ext uri="{FF2B5EF4-FFF2-40B4-BE49-F238E27FC236}">
-                <a16:creationId xmlns="" xmlns:a16="http://schemas.microsoft.com/office/drawing/2014/main" id="{FC771303-6180-4C8D-AD58-12CBC42F369F}"/>
+                <a16:creationId xmlns:a16="http://schemas.microsoft.com/office/drawing/2014/main" xmlns="" id="{FC771303-6180-4C8D-AD58-12CBC42F369F}"/>
               </a:ext>
             </a:extLst>
           </p:cNvPr>
@@ -9534,7 +9824,7 @@
           <p:cNvPr id="4" name="Slide Number Placeholder 3">
             <a:extLst>
               <a:ext uri="{FF2B5EF4-FFF2-40B4-BE49-F238E27FC236}">
-                <a16:creationId xmlns="" xmlns:a16="http://schemas.microsoft.com/office/drawing/2014/main" id="{842BA6A4-510A-435E-8F7F-5D5C34AD4A3E}"/>
+                <a16:creationId xmlns:a16="http://schemas.microsoft.com/office/drawing/2014/main" xmlns="" id="{842BA6A4-510A-435E-8F7F-5D5C34AD4A3E}"/>
               </a:ext>
             </a:extLst>
           </p:cNvPr>
@@ -9713,7 +10003,7 @@
           <p:cNvPr id="2" name="Title 1">
             <a:extLst>
               <a:ext uri="{FF2B5EF4-FFF2-40B4-BE49-F238E27FC236}">
-                <a16:creationId xmlns="" xmlns:a16="http://schemas.microsoft.com/office/drawing/2014/main" id="{8AB81952-EF78-47C1-80C4-3037036D71FE}"/>
+                <a16:creationId xmlns:a16="http://schemas.microsoft.com/office/drawing/2014/main" xmlns="" id="{8AB81952-EF78-47C1-80C4-3037036D71FE}"/>
               </a:ext>
             </a:extLst>
           </p:cNvPr>
@@ -9741,7 +10031,7 @@
           <p:cNvPr id="3" name="Content Placeholder 2">
             <a:extLst>
               <a:ext uri="{FF2B5EF4-FFF2-40B4-BE49-F238E27FC236}">
-                <a16:creationId xmlns="" xmlns:a16="http://schemas.microsoft.com/office/drawing/2014/main" id="{9794C27F-EB6F-48B6-B6F6-BBE68822D484}"/>
+                <a16:creationId xmlns:a16="http://schemas.microsoft.com/office/drawing/2014/main" xmlns="" id="{9794C27F-EB6F-48B6-B6F6-BBE68822D484}"/>
               </a:ext>
             </a:extLst>
           </p:cNvPr>
@@ -9800,7 +10090,7 @@
           <p:cNvPr id="4" name="Slide Number Placeholder 3">
             <a:extLst>
               <a:ext uri="{FF2B5EF4-FFF2-40B4-BE49-F238E27FC236}">
-                <a16:creationId xmlns="" xmlns:a16="http://schemas.microsoft.com/office/drawing/2014/main" id="{A958774F-F903-4A33-AC54-FAC687C24360}"/>
+                <a16:creationId xmlns:a16="http://schemas.microsoft.com/office/drawing/2014/main" xmlns="" id="{A958774F-F903-4A33-AC54-FAC687C24360}"/>
               </a:ext>
             </a:extLst>
           </p:cNvPr>
@@ -9972,7 +10262,7 @@
           <p:cNvPr id="2" name="Title 1">
             <a:extLst>
               <a:ext uri="{FF2B5EF4-FFF2-40B4-BE49-F238E27FC236}">
-                <a16:creationId xmlns="" xmlns:a16="http://schemas.microsoft.com/office/drawing/2014/main" id="{81099350-214A-41F7-AFDB-5AB5505CE43B}"/>
+                <a16:creationId xmlns:a16="http://schemas.microsoft.com/office/drawing/2014/main" xmlns="" id="{81099350-214A-41F7-AFDB-5AB5505CE43B}"/>
               </a:ext>
             </a:extLst>
           </p:cNvPr>
@@ -10000,7 +10290,7 @@
           <p:cNvPr id="3" name="Content Placeholder 2">
             <a:extLst>
               <a:ext uri="{FF2B5EF4-FFF2-40B4-BE49-F238E27FC236}">
-                <a16:creationId xmlns="" xmlns:a16="http://schemas.microsoft.com/office/drawing/2014/main" id="{501D395C-B224-4137-B75B-93071CBE17D9}"/>
+                <a16:creationId xmlns:a16="http://schemas.microsoft.com/office/drawing/2014/main" xmlns="" id="{501D395C-B224-4137-B75B-93071CBE17D9}"/>
               </a:ext>
             </a:extLst>
           </p:cNvPr>
@@ -10171,7 +10461,7 @@
           <p:cNvPr id="4" name="Slide Number Placeholder 3">
             <a:extLst>
               <a:ext uri="{FF2B5EF4-FFF2-40B4-BE49-F238E27FC236}">
-                <a16:creationId xmlns="" xmlns:a16="http://schemas.microsoft.com/office/drawing/2014/main" id="{E16FE6F1-7B0A-4200-B81E-7BE20AB86F3D}"/>
+                <a16:creationId xmlns:a16="http://schemas.microsoft.com/office/drawing/2014/main" xmlns="" id="{E16FE6F1-7B0A-4200-B81E-7BE20AB86F3D}"/>
               </a:ext>
             </a:extLst>
           </p:cNvPr>
@@ -10239,7 +10529,7 @@
           <p:cNvPr id="2" name="Title 1">
             <a:extLst>
               <a:ext uri="{FF2B5EF4-FFF2-40B4-BE49-F238E27FC236}">
-                <a16:creationId xmlns="" xmlns:a16="http://schemas.microsoft.com/office/drawing/2014/main" id="{D9879B7F-52D7-4617-A5AA-22D9F50AD5C3}"/>
+                <a16:creationId xmlns:a16="http://schemas.microsoft.com/office/drawing/2014/main" xmlns="" id="{D9879B7F-52D7-4617-A5AA-22D9F50AD5C3}"/>
               </a:ext>
             </a:extLst>
           </p:cNvPr>
@@ -10267,7 +10557,7 @@
           <p:cNvPr id="3" name="Content Placeholder 2">
             <a:extLst>
               <a:ext uri="{FF2B5EF4-FFF2-40B4-BE49-F238E27FC236}">
-                <a16:creationId xmlns="" xmlns:a16="http://schemas.microsoft.com/office/drawing/2014/main" id="{0B108B05-50C9-4F69-A484-469D3ECAA296}"/>
+                <a16:creationId xmlns:a16="http://schemas.microsoft.com/office/drawing/2014/main" xmlns="" id="{0B108B05-50C9-4F69-A484-469D3ECAA296}"/>
               </a:ext>
             </a:extLst>
           </p:cNvPr>
@@ -10372,7 +10662,7 @@
           <p:cNvPr id="4" name="Slide Number Placeholder 3">
             <a:extLst>
               <a:ext uri="{FF2B5EF4-FFF2-40B4-BE49-F238E27FC236}">
-                <a16:creationId xmlns="" xmlns:a16="http://schemas.microsoft.com/office/drawing/2014/main" id="{838C7239-0C84-40D8-8488-01367DE04E1C}"/>
+                <a16:creationId xmlns:a16="http://schemas.microsoft.com/office/drawing/2014/main" xmlns="" id="{838C7239-0C84-40D8-8488-01367DE04E1C}"/>
               </a:ext>
             </a:extLst>
           </p:cNvPr>
@@ -10607,6 +10897,13 @@
 <file path=ppt/tags/tag36.xml><?xml version="1.0" encoding="utf-8"?>
 <p:tagLst xmlns:a="http://schemas.openxmlformats.org/drawingml/2006/main" xmlns:r="http://schemas.openxmlformats.org/officeDocument/2006/relationships" xmlns:p="http://schemas.openxmlformats.org/presentationml/2006/main">
   <p:tag name="AUDIO_ID" val="333"/>
+  <p:tag name="ARTICULATE_NAV_LEVEL" val="1"/>
+  <p:tag name="ARTICULATE_TOC_EXPANDED" val="True"/>
+  <p:tag name="ARTICULATE_SLIDE_PRESENTER_GUID" val="b6afec6b-4ad9-49aa-931c-79381ce9333b"/>
+  <p:tag name="ARTICULATE_SLIDE_PAUSE" val="0"/>
+  <p:tag name="ARTICULATE_HIDE_SLIDE" val="0"/>
+  <p:tag name="ARTICULATE_PLAYER_CONTROL_PREVIOUS" val="True"/>
+  <p:tag name="ARTICULATE_PLAYER_CONTROL_NEXT" val="True"/>
   <p:tag name="ARTICULATE_USED_LAYOUT" val="9"/>
   <p:tag name="ARTICULATE_SLIDE_THUMBNAIL_REFRESH" val="1"/>
 </p:tagLst>
